--- a/ppt/11_空值與參考.pptx
+++ b/ppt/11_空值與參考.pptx
@@ -5,7 +5,7 @@
     <p:sldMasterId id="2147483673" r:id="rId1"/>
   </p:sldMasterIdLst>
   <p:notesMasterIdLst>
-    <p:notesMasterId r:id="rId11"/>
+    <p:notesMasterId r:id="rId10"/>
   </p:notesMasterIdLst>
   <p:sldIdLst>
     <p:sldId id="256" r:id="rId2"/>
@@ -16,7 +16,6 @@
     <p:sldId id="302" r:id="rId7"/>
     <p:sldId id="301" r:id="rId8"/>
     <p:sldId id="303" r:id="rId9"/>
-    <p:sldId id="304" r:id="rId10"/>
   </p:sldIdLst>
   <p:sldSz cx="12192000" cy="6858000"/>
   <p:notesSz cx="6858000" cy="9144000"/>
@@ -205,7 +204,7 @@
           <a:p>
             <a:fld id="{59559CBB-996B-4E7C-AC21-A3B4A6AAAEAF}" type="datetimeFigureOut">
               <a:rPr lang="zh-TW" altLang="en-US" smtClean="0"/>
-              <a:t>2024/9/1</a:t>
+              <a:t>2024/11/30</a:t>
             </a:fld>
             <a:endParaRPr lang="zh-TW" altLang="en-US"/>
           </a:p>
@@ -11787,1781 +11786,6 @@
     <p:extLst>
       <p:ext uri="{BB962C8B-B14F-4D97-AF65-F5344CB8AC3E}">
         <p14:creationId xmlns:p14="http://schemas.microsoft.com/office/powerpoint/2010/main" val="1062281757"/>
-      </p:ext>
-    </p:extLst>
-  </p:cSld>
-  <p:clrMapOvr>
-    <a:masterClrMapping/>
-  </p:clrMapOvr>
-  <p:transition spd="slow">
-    <p:push dir="u"/>
-  </p:transition>
-</p:sld>
-</file>
-
-<file path=ppt/slides/slide9.xml><?xml version="1.0" encoding="utf-8"?>
-<p:sld xmlns:a="http://schemas.openxmlformats.org/drawingml/2006/main" xmlns:r="http://schemas.openxmlformats.org/officeDocument/2006/relationships" xmlns:p="http://schemas.openxmlformats.org/presentationml/2006/main">
-  <p:cSld>
-    <p:spTree>
-      <p:nvGrpSpPr>
-        <p:cNvPr id="1" name=""/>
-        <p:cNvGrpSpPr/>
-        <p:nvPr/>
-      </p:nvGrpSpPr>
-      <p:grpSpPr>
-        <a:xfrm>
-          <a:off x="0" y="0"/>
-          <a:ext cx="0" cy="0"/>
-          <a:chOff x="0" y="0"/>
-          <a:chExt cx="0" cy="0"/>
-        </a:xfrm>
-      </p:grpSpPr>
-      <p:sp>
-        <p:nvSpPr>
-          <p:cNvPr id="2" name="標題 1">
-            <a:extLst>
-              <a:ext uri="{FF2B5EF4-FFF2-40B4-BE49-F238E27FC236}">
-                <a16:creationId xmlns:a16="http://schemas.microsoft.com/office/drawing/2014/main" id="{332B44A5-5BF1-481A-9575-B4B1B9102128}"/>
-              </a:ext>
-            </a:extLst>
-          </p:cNvPr>
-          <p:cNvSpPr>
-            <a:spLocks noGrp="1"/>
-          </p:cNvSpPr>
-          <p:nvPr>
-            <p:ph type="title"/>
-          </p:nvPr>
-        </p:nvSpPr>
-        <p:spPr/>
-        <p:txBody>
-          <a:bodyPr/>
-          <a:lstStyle/>
-          <a:p>
-            <a:r>
-              <a:rPr lang="zh-TW" altLang="en-US"/>
-              <a:t>陣列</a:t>
-            </a:r>
-          </a:p>
-        </p:txBody>
-      </p:sp>
-      <p:sp>
-        <p:nvSpPr>
-          <p:cNvPr id="3" name="內容版面配置區 2">
-            <a:extLst>
-              <a:ext uri="{FF2B5EF4-FFF2-40B4-BE49-F238E27FC236}">
-                <a16:creationId xmlns:a16="http://schemas.microsoft.com/office/drawing/2014/main" id="{C76722D0-4CA3-422C-A5B9-DDEEAFC4AC07}"/>
-              </a:ext>
-            </a:extLst>
-          </p:cNvPr>
-          <p:cNvSpPr>
-            <a:spLocks noGrp="1"/>
-          </p:cNvSpPr>
-          <p:nvPr>
-            <p:ph idx="1"/>
-          </p:nvPr>
-        </p:nvSpPr>
-        <p:spPr>
-          <a:xfrm>
-            <a:off x="838200" y="1502039"/>
-            <a:ext cx="10515600" cy="3109087"/>
-          </a:xfrm>
-        </p:spPr>
-        <p:txBody>
-          <a:bodyPr>
-            <a:normAutofit/>
-          </a:bodyPr>
-          <a:lstStyle/>
-          <a:p>
-            <a:r>
-              <a:rPr lang="zh-TW" altLang="en-US">
-                <a:solidFill>
-                  <a:srgbClr val="00B0F0"/>
-                </a:solidFill>
-              </a:rPr>
-              <a:t>陣列</a:t>
-            </a:r>
-            <a:r>
-              <a:rPr lang="zh-TW" altLang="en-US"/>
-              <a:t>在</a:t>
-            </a:r>
-            <a:r>
-              <a:rPr lang="zh-TW" altLang="en-US">
-                <a:solidFill>
-                  <a:srgbClr val="00B0F0"/>
-                </a:solidFill>
-              </a:rPr>
-              <a:t>記憶體</a:t>
-            </a:r>
-            <a:r>
-              <a:rPr lang="zh-TW" altLang="en-US"/>
-              <a:t>中是連續的</a:t>
-            </a:r>
-            <a:endParaRPr lang="en-US" altLang="zh-TW"/>
-          </a:p>
-          <a:p>
-            <a:r>
-              <a:rPr lang="zh-TW" altLang="en-US"/>
-              <a:t>也就是</a:t>
-            </a:r>
-            <a:r>
-              <a:rPr lang="zh-TW" altLang="en-US">
-                <a:solidFill>
-                  <a:srgbClr val="00B0F0"/>
-                </a:solidFill>
-              </a:rPr>
-              <a:t>陣列</a:t>
-            </a:r>
-            <a:r>
-              <a:rPr lang="zh-TW" altLang="en-US"/>
-              <a:t>中每個</a:t>
-            </a:r>
-            <a:r>
-              <a:rPr lang="zh-TW" altLang="en-US">
-                <a:solidFill>
-                  <a:srgbClr val="00B0F0"/>
-                </a:solidFill>
-              </a:rPr>
-              <a:t>元素</a:t>
-            </a:r>
-            <a:r>
-              <a:rPr lang="zh-TW" altLang="en-US"/>
-              <a:t>的</a:t>
-            </a:r>
-            <a:r>
-              <a:rPr lang="zh-TW" altLang="en-US">
-                <a:solidFill>
-                  <a:srgbClr val="00B0F0"/>
-                </a:solidFill>
-              </a:rPr>
-              <a:t>記憶體位址</a:t>
-            </a:r>
-            <a:r>
-              <a:rPr lang="zh-TW" altLang="en-US"/>
-              <a:t>皆相鄰</a:t>
-            </a:r>
-            <a:endParaRPr lang="en-US" altLang="zh-TW"/>
-          </a:p>
-          <a:p>
-            <a:r>
-              <a:rPr lang="zh-TW" altLang="en-US"/>
-              <a:t>所以若要</a:t>
-            </a:r>
-            <a:r>
-              <a:rPr lang="zh-TW" altLang="en-US">
-                <a:solidFill>
-                  <a:srgbClr val="FFC000"/>
-                </a:solidFill>
-              </a:rPr>
-              <a:t>存取</a:t>
-            </a:r>
-            <a:r>
-              <a:rPr lang="zh-TW" altLang="en-US">
-                <a:solidFill>
-                  <a:srgbClr val="00B0F0"/>
-                </a:solidFill>
-              </a:rPr>
-              <a:t>陣列</a:t>
-            </a:r>
-            <a:r>
-              <a:rPr lang="zh-TW" altLang="en-US"/>
-              <a:t>中的</a:t>
-            </a:r>
-            <a:r>
-              <a:rPr lang="zh-TW" altLang="en-US">
-                <a:solidFill>
-                  <a:srgbClr val="00B0F0"/>
-                </a:solidFill>
-              </a:rPr>
-              <a:t>元素</a:t>
-            </a:r>
-            <a:endParaRPr lang="en-US" altLang="zh-TW">
-              <a:solidFill>
-                <a:srgbClr val="00B0F0"/>
-              </a:solidFill>
-            </a:endParaRPr>
-          </a:p>
-          <a:p>
-            <a:r>
-              <a:rPr lang="zh-TW" altLang="en-US"/>
-              <a:t>只需要對</a:t>
-            </a:r>
-            <a:r>
-              <a:rPr lang="zh-TW" altLang="en-US">
-                <a:solidFill>
-                  <a:srgbClr val="00B0F0"/>
-                </a:solidFill>
-              </a:rPr>
-              <a:t>記憶體位址</a:t>
-            </a:r>
-            <a:r>
-              <a:rPr lang="zh-TW" altLang="en-US"/>
-              <a:t>進行簡單的數學運算即可：</a:t>
-            </a:r>
-            <a:endParaRPr lang="en-US" altLang="zh-TW"/>
-          </a:p>
-          <a:p>
-            <a:r>
-              <a:rPr lang="zh-TW" altLang="en-US"/>
-              <a:t>已知</a:t>
-            </a:r>
-            <a:r>
-              <a:rPr lang="zh-TW" altLang="en-US">
-                <a:solidFill>
-                  <a:srgbClr val="00B0F0"/>
-                </a:solidFill>
-              </a:rPr>
-              <a:t>陣列元素記憶體大小</a:t>
-            </a:r>
-            <a:r>
-              <a:rPr lang="zh-TW" altLang="en-US"/>
-              <a:t>為 </a:t>
-            </a:r>
-            <a:r>
-              <a:rPr lang="en-US" altLang="zh-TW" i="1">
-                <a:solidFill>
-                  <a:srgbClr val="92D050"/>
-                </a:solidFill>
-                <a:latin typeface="Times New Roman" panose="02020603050405020304" pitchFamily="18" charset="0"/>
-                <a:cs typeface="Times New Roman" panose="02020603050405020304" pitchFamily="18" charset="0"/>
-              </a:rPr>
-              <a:t>s</a:t>
-            </a:r>
-            <a:r>
-              <a:rPr lang="zh-TW" altLang="en-US">
-                <a:latin typeface="+mj-lt"/>
-                <a:cs typeface="Times New Roman" panose="02020603050405020304" pitchFamily="18" charset="0"/>
-              </a:rPr>
-              <a:t>，</a:t>
-            </a:r>
-            <a:r>
-              <a:rPr lang="zh-TW" altLang="en-US">
-                <a:solidFill>
-                  <a:srgbClr val="00B0F0"/>
-                </a:solidFill>
-              </a:rPr>
-              <a:t>索引值 </a:t>
-            </a:r>
-            <a:r>
-              <a:rPr lang="en-US" altLang="zh-TW">
-                <a:solidFill>
-                  <a:srgbClr val="00B0F0"/>
-                </a:solidFill>
-              </a:rPr>
-              <a:t>0</a:t>
-            </a:r>
-            <a:r>
-              <a:rPr lang="zh-TW" altLang="en-US"/>
-              <a:t> </a:t>
-            </a:r>
-            <a:r>
-              <a:rPr lang="zh-TW" altLang="en-US">
-                <a:solidFill>
-                  <a:srgbClr val="00B0F0"/>
-                </a:solidFill>
-              </a:rPr>
-              <a:t>元素</a:t>
-            </a:r>
-            <a:r>
-              <a:rPr lang="zh-TW" altLang="en-US"/>
-              <a:t>之</a:t>
-            </a:r>
-            <a:r>
-              <a:rPr lang="zh-TW" altLang="en-US">
-                <a:solidFill>
-                  <a:srgbClr val="00B0F0"/>
-                </a:solidFill>
-              </a:rPr>
-              <a:t>記憶體位址</a:t>
-            </a:r>
-            <a:r>
-              <a:rPr lang="zh-TW" altLang="en-US"/>
-              <a:t>為 </a:t>
-            </a:r>
-            <a:r>
-              <a:rPr lang="en-US" altLang="zh-TW" i="1">
-                <a:solidFill>
-                  <a:srgbClr val="92D050"/>
-                </a:solidFill>
-                <a:latin typeface="Times New Roman" panose="02020603050405020304" pitchFamily="18" charset="0"/>
-                <a:cs typeface="Times New Roman" panose="02020603050405020304" pitchFamily="18" charset="0"/>
-              </a:rPr>
-              <a:t>a</a:t>
-            </a:r>
-          </a:p>
-          <a:p>
-            <a:r>
-              <a:rPr lang="zh-TW" altLang="en-US"/>
-              <a:t>則</a:t>
-            </a:r>
-            <a:r>
-              <a:rPr lang="zh-TW" altLang="en-US">
-                <a:solidFill>
-                  <a:srgbClr val="00B0F0"/>
-                </a:solidFill>
-              </a:rPr>
-              <a:t>陣列索引值 </a:t>
-            </a:r>
-            <a:r>
-              <a:rPr lang="en-US" altLang="zh-TW">
-                <a:solidFill>
-                  <a:srgbClr val="00B0F0"/>
-                </a:solidFill>
-              </a:rPr>
-              <a:t>n</a:t>
-            </a:r>
-            <a:r>
-              <a:rPr lang="en-US" altLang="zh-TW"/>
-              <a:t> </a:t>
-            </a:r>
-            <a:r>
-              <a:rPr lang="zh-TW" altLang="en-US">
-                <a:solidFill>
-                  <a:srgbClr val="00B0F0"/>
-                </a:solidFill>
-              </a:rPr>
-              <a:t>元素</a:t>
-            </a:r>
-            <a:r>
-              <a:rPr lang="zh-TW" altLang="en-US"/>
-              <a:t>之</a:t>
-            </a:r>
-            <a:r>
-              <a:rPr lang="zh-TW" altLang="en-US">
-                <a:solidFill>
-                  <a:srgbClr val="00B0F0"/>
-                </a:solidFill>
-              </a:rPr>
-              <a:t>記憶體位址</a:t>
-            </a:r>
-            <a:r>
-              <a:rPr lang="zh-TW" altLang="en-US"/>
-              <a:t>即為 </a:t>
-            </a:r>
-            <a:r>
-              <a:rPr lang="en-US" altLang="zh-TW" i="1">
-                <a:solidFill>
-                  <a:srgbClr val="92D050"/>
-                </a:solidFill>
-                <a:latin typeface="Times New Roman" panose="02020603050405020304" pitchFamily="18" charset="0"/>
-                <a:cs typeface="Times New Roman" panose="02020603050405020304" pitchFamily="18" charset="0"/>
-              </a:rPr>
-              <a:t>a</a:t>
-            </a:r>
-            <a:r>
-              <a:rPr lang="en-US" altLang="zh-TW">
-                <a:solidFill>
-                  <a:srgbClr val="92D050"/>
-                </a:solidFill>
-                <a:latin typeface="Times New Roman" panose="02020603050405020304" pitchFamily="18" charset="0"/>
-                <a:cs typeface="Times New Roman" panose="02020603050405020304" pitchFamily="18" charset="0"/>
-              </a:rPr>
-              <a:t> + </a:t>
-            </a:r>
-            <a:r>
-              <a:rPr lang="en-US" altLang="zh-TW" i="1">
-                <a:solidFill>
-                  <a:srgbClr val="92D050"/>
-                </a:solidFill>
-                <a:latin typeface="Times New Roman" panose="02020603050405020304" pitchFamily="18" charset="0"/>
-                <a:cs typeface="Times New Roman" panose="02020603050405020304" pitchFamily="18" charset="0"/>
-              </a:rPr>
-              <a:t>s</a:t>
-            </a:r>
-            <a:r>
-              <a:rPr lang="en-US" altLang="zh-TW">
-                <a:solidFill>
-                  <a:srgbClr val="92D050"/>
-                </a:solidFill>
-                <a:latin typeface="Times New Roman" panose="02020603050405020304" pitchFamily="18" charset="0"/>
-                <a:cs typeface="Times New Roman" panose="02020603050405020304" pitchFamily="18" charset="0"/>
-              </a:rPr>
-              <a:t> ×</a:t>
-            </a:r>
-            <a:r>
-              <a:rPr lang="zh-TW" altLang="en-US">
-                <a:solidFill>
-                  <a:srgbClr val="92D050"/>
-                </a:solidFill>
-                <a:latin typeface="Times New Roman" panose="02020603050405020304" pitchFamily="18" charset="0"/>
-                <a:cs typeface="Times New Roman" panose="02020603050405020304" pitchFamily="18" charset="0"/>
-              </a:rPr>
-              <a:t> </a:t>
-            </a:r>
-            <a:r>
-              <a:rPr lang="en-US" altLang="zh-TW" i="1">
-                <a:solidFill>
-                  <a:srgbClr val="92D050"/>
-                </a:solidFill>
-                <a:latin typeface="Times New Roman" panose="02020603050405020304" pitchFamily="18" charset="0"/>
-                <a:cs typeface="Times New Roman" panose="02020603050405020304" pitchFamily="18" charset="0"/>
-              </a:rPr>
-              <a:t>n</a:t>
-            </a:r>
-          </a:p>
-        </p:txBody>
-      </p:sp>
-      <p:grpSp>
-        <p:nvGrpSpPr>
-          <p:cNvPr id="42" name="群組 41">
-            <a:extLst>
-              <a:ext uri="{FF2B5EF4-FFF2-40B4-BE49-F238E27FC236}">
-                <a16:creationId xmlns:a16="http://schemas.microsoft.com/office/drawing/2014/main" id="{C3421D09-BEA6-4099-9ADD-850EEDAD2995}"/>
-              </a:ext>
-            </a:extLst>
-          </p:cNvPr>
-          <p:cNvGrpSpPr/>
-          <p:nvPr/>
-        </p:nvGrpSpPr>
-        <p:grpSpPr>
-          <a:xfrm>
-            <a:off x="1188781" y="4611126"/>
-            <a:ext cx="9814436" cy="1553871"/>
-            <a:chOff x="1188781" y="4753606"/>
-            <a:chExt cx="9814436" cy="1553871"/>
-          </a:xfrm>
-        </p:grpSpPr>
-        <p:sp>
-          <p:nvSpPr>
-            <p:cNvPr id="13" name="矩形 12">
-              <a:extLst>
-                <a:ext uri="{FF2B5EF4-FFF2-40B4-BE49-F238E27FC236}">
-                  <a16:creationId xmlns:a16="http://schemas.microsoft.com/office/drawing/2014/main" id="{BF2B480E-3B3E-4011-AD28-9633ECDDE808}"/>
-                </a:ext>
-              </a:extLst>
-            </p:cNvPr>
-            <p:cNvSpPr/>
-            <p:nvPr/>
-          </p:nvSpPr>
-          <p:spPr>
-            <a:xfrm>
-              <a:off x="2912330" y="4824237"/>
-              <a:ext cx="7886693" cy="514418"/>
-            </a:xfrm>
-            <a:prstGeom prst="rect">
-              <a:avLst/>
-            </a:prstGeom>
-            <a:noFill/>
-            <a:ln w="38100">
-              <a:solidFill>
-                <a:srgbClr val="92D050"/>
-              </a:solidFill>
-            </a:ln>
-          </p:spPr>
-          <p:style>
-            <a:lnRef idx="2">
-              <a:schemeClr val="accent1">
-                <a:shade val="50000"/>
-              </a:schemeClr>
-            </a:lnRef>
-            <a:fillRef idx="1">
-              <a:schemeClr val="accent1"/>
-            </a:fillRef>
-            <a:effectRef idx="0">
-              <a:schemeClr val="accent1"/>
-            </a:effectRef>
-            <a:fontRef idx="minor">
-              <a:schemeClr val="lt1"/>
-            </a:fontRef>
-          </p:style>
-          <p:txBody>
-            <a:bodyPr rtlCol="0" anchor="ctr"/>
-            <a:lstStyle/>
-            <a:p>
-              <a:pPr algn="ctr"/>
-              <a:endParaRPr lang="zh-TW" altLang="en-US"/>
-            </a:p>
-          </p:txBody>
-        </p:sp>
-        <p:cxnSp>
-          <p:nvCxnSpPr>
-            <p:cNvPr id="14" name="直線接點 13">
-              <a:extLst>
-                <a:ext uri="{FF2B5EF4-FFF2-40B4-BE49-F238E27FC236}">
-                  <a16:creationId xmlns:a16="http://schemas.microsoft.com/office/drawing/2014/main" id="{FF9CE834-850B-44D6-94E7-2745405AACA3}"/>
-                </a:ext>
-              </a:extLst>
-            </p:cNvPr>
-            <p:cNvCxnSpPr>
-              <a:cxnSpLocks/>
-            </p:cNvCxnSpPr>
-            <p:nvPr/>
-          </p:nvCxnSpPr>
-          <p:spPr>
-            <a:xfrm>
-              <a:off x="2912330" y="4824237"/>
-              <a:ext cx="0" cy="514418"/>
-            </a:xfrm>
-            <a:prstGeom prst="line">
-              <a:avLst/>
-            </a:prstGeom>
-            <a:ln w="38100">
-              <a:solidFill>
-                <a:srgbClr val="92D050"/>
-              </a:solidFill>
-            </a:ln>
-          </p:spPr>
-          <p:style>
-            <a:lnRef idx="1">
-              <a:schemeClr val="accent1"/>
-            </a:lnRef>
-            <a:fillRef idx="0">
-              <a:schemeClr val="accent1"/>
-            </a:fillRef>
-            <a:effectRef idx="0">
-              <a:schemeClr val="accent1"/>
-            </a:effectRef>
-            <a:fontRef idx="minor">
-              <a:schemeClr val="tx1"/>
-            </a:fontRef>
-          </p:style>
-        </p:cxnSp>
-        <p:cxnSp>
-          <p:nvCxnSpPr>
-            <p:cNvPr id="16" name="直線接點 15">
-              <a:extLst>
-                <a:ext uri="{FF2B5EF4-FFF2-40B4-BE49-F238E27FC236}">
-                  <a16:creationId xmlns:a16="http://schemas.microsoft.com/office/drawing/2014/main" id="{BA881867-0DB9-4C25-94BA-A93CB9A43A16}"/>
-                </a:ext>
-              </a:extLst>
-            </p:cNvPr>
-            <p:cNvCxnSpPr>
-              <a:cxnSpLocks/>
-            </p:cNvCxnSpPr>
-            <p:nvPr/>
-          </p:nvCxnSpPr>
-          <p:spPr>
-            <a:xfrm>
-              <a:off x="4226780" y="4824237"/>
-              <a:ext cx="0" cy="514418"/>
-            </a:xfrm>
-            <a:prstGeom prst="line">
-              <a:avLst/>
-            </a:prstGeom>
-            <a:ln w="38100">
-              <a:solidFill>
-                <a:srgbClr val="92D050"/>
-              </a:solidFill>
-            </a:ln>
-          </p:spPr>
-          <p:style>
-            <a:lnRef idx="1">
-              <a:schemeClr val="accent1"/>
-            </a:lnRef>
-            <a:fillRef idx="0">
-              <a:schemeClr val="accent1"/>
-            </a:fillRef>
-            <a:effectRef idx="0">
-              <a:schemeClr val="accent1"/>
-            </a:effectRef>
-            <a:fontRef idx="minor">
-              <a:schemeClr val="tx1"/>
-            </a:fontRef>
-          </p:style>
-        </p:cxnSp>
-        <p:cxnSp>
-          <p:nvCxnSpPr>
-            <p:cNvPr id="17" name="直線接點 16">
-              <a:extLst>
-                <a:ext uri="{FF2B5EF4-FFF2-40B4-BE49-F238E27FC236}">
-                  <a16:creationId xmlns:a16="http://schemas.microsoft.com/office/drawing/2014/main" id="{8A81CB45-1C5A-464A-94F6-2584D62656CF}"/>
-                </a:ext>
-              </a:extLst>
-            </p:cNvPr>
-            <p:cNvCxnSpPr>
-              <a:cxnSpLocks/>
-            </p:cNvCxnSpPr>
-            <p:nvPr/>
-          </p:nvCxnSpPr>
-          <p:spPr>
-            <a:xfrm>
-              <a:off x="5541230" y="4824237"/>
-              <a:ext cx="0" cy="531820"/>
-            </a:xfrm>
-            <a:prstGeom prst="line">
-              <a:avLst/>
-            </a:prstGeom>
-            <a:ln w="38100">
-              <a:solidFill>
-                <a:srgbClr val="92D050"/>
-              </a:solidFill>
-            </a:ln>
-          </p:spPr>
-          <p:style>
-            <a:lnRef idx="1">
-              <a:schemeClr val="accent1"/>
-            </a:lnRef>
-            <a:fillRef idx="0">
-              <a:schemeClr val="accent1"/>
-            </a:fillRef>
-            <a:effectRef idx="0">
-              <a:schemeClr val="accent1"/>
-            </a:effectRef>
-            <a:fontRef idx="minor">
-              <a:schemeClr val="tx1"/>
-            </a:fontRef>
-          </p:style>
-        </p:cxnSp>
-        <p:sp>
-          <p:nvSpPr>
-            <p:cNvPr id="19" name="文字方塊 18">
-              <a:extLst>
-                <a:ext uri="{FF2B5EF4-FFF2-40B4-BE49-F238E27FC236}">
-                  <a16:creationId xmlns:a16="http://schemas.microsoft.com/office/drawing/2014/main" id="{C27E85DA-F45A-4C68-907B-CCFA1F84866B}"/>
-                </a:ext>
-              </a:extLst>
-            </p:cNvPr>
-            <p:cNvSpPr txBox="1"/>
-            <p:nvPr/>
-          </p:nvSpPr>
-          <p:spPr>
-            <a:xfrm>
-              <a:off x="3378639" y="4812764"/>
-              <a:ext cx="381836" cy="523220"/>
-            </a:xfrm>
-            <a:prstGeom prst="rect">
-              <a:avLst/>
-            </a:prstGeom>
-            <a:noFill/>
-          </p:spPr>
-          <p:txBody>
-            <a:bodyPr wrap="none" rtlCol="0">
-              <a:spAutoFit/>
-            </a:bodyPr>
-            <a:lstStyle/>
-            <a:p>
-              <a:pPr algn="ctr"/>
-              <a:r>
-                <a:rPr lang="en-US" altLang="zh-TW" sz="2800">
-                  <a:solidFill>
-                    <a:srgbClr val="00B0F0"/>
-                  </a:solidFill>
-                </a:rPr>
-                <a:t>1</a:t>
-              </a:r>
-              <a:endParaRPr lang="zh-TW" altLang="en-US" sz="2800">
-                <a:solidFill>
-                  <a:srgbClr val="00B0F0"/>
-                </a:solidFill>
-              </a:endParaRPr>
-            </a:p>
-          </p:txBody>
-        </p:sp>
-        <p:sp>
-          <p:nvSpPr>
-            <p:cNvPr id="20" name="文字方塊 19">
-              <a:extLst>
-                <a:ext uri="{FF2B5EF4-FFF2-40B4-BE49-F238E27FC236}">
-                  <a16:creationId xmlns:a16="http://schemas.microsoft.com/office/drawing/2014/main" id="{488793A1-06F0-44E5-B02F-10FB9D3FBEDA}"/>
-                </a:ext>
-              </a:extLst>
-            </p:cNvPr>
-            <p:cNvSpPr txBox="1"/>
-            <p:nvPr/>
-          </p:nvSpPr>
-          <p:spPr>
-            <a:xfrm>
-              <a:off x="4693087" y="4812764"/>
-              <a:ext cx="381836" cy="523220"/>
-            </a:xfrm>
-            <a:prstGeom prst="rect">
-              <a:avLst/>
-            </a:prstGeom>
-            <a:noFill/>
-          </p:spPr>
-          <p:txBody>
-            <a:bodyPr wrap="none" rtlCol="0">
-              <a:spAutoFit/>
-            </a:bodyPr>
-            <a:lstStyle/>
-            <a:p>
-              <a:pPr algn="ctr"/>
-              <a:r>
-                <a:rPr lang="en-US" altLang="zh-TW" sz="2800">
-                  <a:solidFill>
-                    <a:srgbClr val="00B0F0"/>
-                  </a:solidFill>
-                </a:rPr>
-                <a:t>2</a:t>
-              </a:r>
-              <a:endParaRPr lang="zh-TW" altLang="en-US" sz="2800">
-                <a:solidFill>
-                  <a:srgbClr val="00B0F0"/>
-                </a:solidFill>
-              </a:endParaRPr>
-            </a:p>
-          </p:txBody>
-        </p:sp>
-        <p:sp>
-          <p:nvSpPr>
-            <p:cNvPr id="21" name="文字方塊 20">
-              <a:extLst>
-                <a:ext uri="{FF2B5EF4-FFF2-40B4-BE49-F238E27FC236}">
-                  <a16:creationId xmlns:a16="http://schemas.microsoft.com/office/drawing/2014/main" id="{2996B0BB-89B8-439A-8D5D-197DBE971670}"/>
-                </a:ext>
-              </a:extLst>
-            </p:cNvPr>
-            <p:cNvSpPr txBox="1"/>
-            <p:nvPr/>
-          </p:nvSpPr>
-          <p:spPr>
-            <a:xfrm>
-              <a:off x="6007536" y="4812764"/>
-              <a:ext cx="381836" cy="523220"/>
-            </a:xfrm>
-            <a:prstGeom prst="rect">
-              <a:avLst/>
-            </a:prstGeom>
-            <a:noFill/>
-          </p:spPr>
-          <p:txBody>
-            <a:bodyPr wrap="none" rtlCol="0">
-              <a:spAutoFit/>
-            </a:bodyPr>
-            <a:lstStyle/>
-            <a:p>
-              <a:pPr algn="ctr"/>
-              <a:r>
-                <a:rPr lang="en-US" altLang="zh-TW" sz="2800">
-                  <a:solidFill>
-                    <a:srgbClr val="00B0F0"/>
-                  </a:solidFill>
-                </a:rPr>
-                <a:t>3</a:t>
-              </a:r>
-              <a:endParaRPr lang="zh-TW" altLang="en-US" sz="2800">
-                <a:solidFill>
-                  <a:srgbClr val="00B0F0"/>
-                </a:solidFill>
-              </a:endParaRPr>
-            </a:p>
-          </p:txBody>
-        </p:sp>
-        <p:sp>
-          <p:nvSpPr>
-            <p:cNvPr id="10" name="文字方塊 9">
-              <a:extLst>
-                <a:ext uri="{FF2B5EF4-FFF2-40B4-BE49-F238E27FC236}">
-                  <a16:creationId xmlns:a16="http://schemas.microsoft.com/office/drawing/2014/main" id="{05784922-A0D5-4C06-9BE1-669C2262BAB6}"/>
-                </a:ext>
-              </a:extLst>
-            </p:cNvPr>
-            <p:cNvSpPr txBox="1"/>
-            <p:nvPr/>
-          </p:nvSpPr>
-          <p:spPr>
-            <a:xfrm>
-              <a:off x="3392267" y="5358067"/>
-              <a:ext cx="354584" cy="461665"/>
-            </a:xfrm>
-            <a:prstGeom prst="rect">
-              <a:avLst/>
-            </a:prstGeom>
-            <a:noFill/>
-          </p:spPr>
-          <p:txBody>
-            <a:bodyPr wrap="none" rtlCol="0">
-              <a:spAutoFit/>
-            </a:bodyPr>
-            <a:lstStyle/>
-            <a:p>
-              <a:pPr algn="ctr"/>
-              <a:r>
-                <a:rPr lang="en-US" altLang="zh-TW" sz="2400">
-                  <a:solidFill>
-                    <a:srgbClr val="FFC000"/>
-                  </a:solidFill>
-                </a:rPr>
-                <a:t>0</a:t>
-              </a:r>
-              <a:endParaRPr lang="zh-TW" altLang="en-US" sz="2400">
-                <a:solidFill>
-                  <a:srgbClr val="FFC000"/>
-                </a:solidFill>
-              </a:endParaRPr>
-            </a:p>
-          </p:txBody>
-        </p:sp>
-        <p:sp>
-          <p:nvSpPr>
-            <p:cNvPr id="11" name="文字方塊 10">
-              <a:extLst>
-                <a:ext uri="{FF2B5EF4-FFF2-40B4-BE49-F238E27FC236}">
-                  <a16:creationId xmlns:a16="http://schemas.microsoft.com/office/drawing/2014/main" id="{6FF62FDD-9CB9-416E-8C66-86B3F58285E6}"/>
-                </a:ext>
-              </a:extLst>
-            </p:cNvPr>
-            <p:cNvSpPr txBox="1"/>
-            <p:nvPr/>
-          </p:nvSpPr>
-          <p:spPr>
-            <a:xfrm>
-              <a:off x="4706716" y="5358067"/>
-              <a:ext cx="354584" cy="461665"/>
-            </a:xfrm>
-            <a:prstGeom prst="rect">
-              <a:avLst/>
-            </a:prstGeom>
-            <a:noFill/>
-          </p:spPr>
-          <p:txBody>
-            <a:bodyPr wrap="none" rtlCol="0">
-              <a:spAutoFit/>
-            </a:bodyPr>
-            <a:lstStyle/>
-            <a:p>
-              <a:pPr algn="ctr"/>
-              <a:r>
-                <a:rPr lang="en-US" altLang="zh-TW" sz="2400">
-                  <a:solidFill>
-                    <a:srgbClr val="FFC000"/>
-                  </a:solidFill>
-                </a:rPr>
-                <a:t>1</a:t>
-              </a:r>
-              <a:endParaRPr lang="zh-TW" altLang="en-US" sz="2400">
-                <a:solidFill>
-                  <a:srgbClr val="FFC000"/>
-                </a:solidFill>
-              </a:endParaRPr>
-            </a:p>
-          </p:txBody>
-        </p:sp>
-        <p:sp>
-          <p:nvSpPr>
-            <p:cNvPr id="12" name="文字方塊 11">
-              <a:extLst>
-                <a:ext uri="{FF2B5EF4-FFF2-40B4-BE49-F238E27FC236}">
-                  <a16:creationId xmlns:a16="http://schemas.microsoft.com/office/drawing/2014/main" id="{841C785E-058E-4EC0-82B3-38901E0ABC00}"/>
-                </a:ext>
-              </a:extLst>
-            </p:cNvPr>
-            <p:cNvSpPr txBox="1"/>
-            <p:nvPr/>
-          </p:nvSpPr>
-          <p:spPr>
-            <a:xfrm>
-              <a:off x="6021165" y="5358067"/>
-              <a:ext cx="354584" cy="461665"/>
-            </a:xfrm>
-            <a:prstGeom prst="rect">
-              <a:avLst/>
-            </a:prstGeom>
-            <a:noFill/>
-          </p:spPr>
-          <p:txBody>
-            <a:bodyPr wrap="none" rtlCol="0">
-              <a:spAutoFit/>
-            </a:bodyPr>
-            <a:lstStyle/>
-            <a:p>
-              <a:pPr algn="ctr"/>
-              <a:r>
-                <a:rPr lang="en-US" altLang="zh-TW" sz="2400">
-                  <a:solidFill>
-                    <a:srgbClr val="FFC000"/>
-                  </a:solidFill>
-                </a:rPr>
-                <a:t>2</a:t>
-              </a:r>
-              <a:endParaRPr lang="zh-TW" altLang="en-US" sz="2400">
-                <a:solidFill>
-                  <a:srgbClr val="FFC000"/>
-                </a:solidFill>
-              </a:endParaRPr>
-            </a:p>
-          </p:txBody>
-        </p:sp>
-        <p:sp>
-          <p:nvSpPr>
-            <p:cNvPr id="7" name="矩形: 圓角 6">
-              <a:extLst>
-                <a:ext uri="{FF2B5EF4-FFF2-40B4-BE49-F238E27FC236}">
-                  <a16:creationId xmlns:a16="http://schemas.microsoft.com/office/drawing/2014/main" id="{AC7FE7E5-74A5-4CB5-82F7-2CCBCB71DA64}"/>
-                </a:ext>
-              </a:extLst>
-            </p:cNvPr>
-            <p:cNvSpPr/>
-            <p:nvPr/>
-          </p:nvSpPr>
-          <p:spPr>
-            <a:xfrm>
-              <a:off x="1204385" y="4753606"/>
-              <a:ext cx="9798832" cy="1553871"/>
-            </a:xfrm>
-            <a:prstGeom prst="roundRect">
-              <a:avLst>
-                <a:gd name="adj" fmla="val 11296"/>
-              </a:avLst>
-            </a:prstGeom>
-            <a:noFill/>
-            <a:ln w="57150">
-              <a:solidFill>
-                <a:srgbClr val="FFC000"/>
-              </a:solidFill>
-            </a:ln>
-          </p:spPr>
-          <p:style>
-            <a:lnRef idx="2">
-              <a:schemeClr val="accent1">
-                <a:shade val="50000"/>
-              </a:schemeClr>
-            </a:lnRef>
-            <a:fillRef idx="1">
-              <a:schemeClr val="accent1"/>
-            </a:fillRef>
-            <a:effectRef idx="0">
-              <a:schemeClr val="accent1"/>
-            </a:effectRef>
-            <a:fontRef idx="minor">
-              <a:schemeClr val="lt1"/>
-            </a:fontRef>
-          </p:style>
-          <p:txBody>
-            <a:bodyPr rtlCol="0" anchor="ctr"/>
-            <a:lstStyle/>
-            <a:p>
-              <a:pPr algn="ctr"/>
-              <a:endParaRPr lang="zh-TW" altLang="en-US"/>
-            </a:p>
-          </p:txBody>
-        </p:sp>
-        <p:sp>
-          <p:nvSpPr>
-            <p:cNvPr id="8" name="文字方塊 7">
-              <a:extLst>
-                <a:ext uri="{FF2B5EF4-FFF2-40B4-BE49-F238E27FC236}">
-                  <a16:creationId xmlns:a16="http://schemas.microsoft.com/office/drawing/2014/main" id="{51CB97FE-F99D-40E2-BD27-83265568FBCC}"/>
-                </a:ext>
-              </a:extLst>
-            </p:cNvPr>
-            <p:cNvSpPr txBox="1"/>
-            <p:nvPr/>
-          </p:nvSpPr>
-          <p:spPr>
-            <a:xfrm>
-              <a:off x="1327069" y="4839978"/>
-              <a:ext cx="1415772" cy="461665"/>
-            </a:xfrm>
-            <a:prstGeom prst="rect">
-              <a:avLst/>
-            </a:prstGeom>
-            <a:noFill/>
-          </p:spPr>
-          <p:txBody>
-            <a:bodyPr wrap="none" rtlCol="0">
-              <a:spAutoFit/>
-            </a:bodyPr>
-            <a:lstStyle/>
-            <a:p>
-              <a:pPr algn="ctr"/>
-              <a:r>
-                <a:rPr lang="zh-TW" altLang="en-US" sz="2400">
-                  <a:solidFill>
-                    <a:srgbClr val="92D050"/>
-                  </a:solidFill>
-                </a:rPr>
-                <a:t>陣列內容</a:t>
-              </a:r>
-            </a:p>
-          </p:txBody>
-        </p:sp>
-        <p:sp>
-          <p:nvSpPr>
-            <p:cNvPr id="9" name="文字方塊 8">
-              <a:extLst>
-                <a:ext uri="{FF2B5EF4-FFF2-40B4-BE49-F238E27FC236}">
-                  <a16:creationId xmlns:a16="http://schemas.microsoft.com/office/drawing/2014/main" id="{3073300F-589B-465B-94CA-634B4ABDFE04}"/>
-                </a:ext>
-              </a:extLst>
-            </p:cNvPr>
-            <p:cNvSpPr txBox="1"/>
-            <p:nvPr/>
-          </p:nvSpPr>
-          <p:spPr>
-            <a:xfrm>
-              <a:off x="1188783" y="5353644"/>
-              <a:ext cx="1723549" cy="461665"/>
-            </a:xfrm>
-            <a:prstGeom prst="rect">
-              <a:avLst/>
-            </a:prstGeom>
-            <a:noFill/>
-          </p:spPr>
-          <p:txBody>
-            <a:bodyPr wrap="none" rtlCol="0">
-              <a:spAutoFit/>
-            </a:bodyPr>
-            <a:lstStyle/>
-            <a:p>
-              <a:pPr algn="ctr"/>
-              <a:r>
-                <a:rPr lang="zh-TW" altLang="en-US" sz="2400">
-                  <a:solidFill>
-                    <a:srgbClr val="FFC000"/>
-                  </a:solidFill>
-                </a:rPr>
-                <a:t>陣列索引值</a:t>
-              </a:r>
-            </a:p>
-          </p:txBody>
-        </p:sp>
-        <p:cxnSp>
-          <p:nvCxnSpPr>
-            <p:cNvPr id="24" name="直線接點 23">
-              <a:extLst>
-                <a:ext uri="{FF2B5EF4-FFF2-40B4-BE49-F238E27FC236}">
-                  <a16:creationId xmlns:a16="http://schemas.microsoft.com/office/drawing/2014/main" id="{E5385C64-8D74-4594-B561-81EAD389CFB8}"/>
-                </a:ext>
-              </a:extLst>
-            </p:cNvPr>
-            <p:cNvCxnSpPr>
-              <a:cxnSpLocks/>
-            </p:cNvCxnSpPr>
-            <p:nvPr/>
-          </p:nvCxnSpPr>
-          <p:spPr>
-            <a:xfrm>
-              <a:off x="10799026" y="4824237"/>
-              <a:ext cx="0" cy="531820"/>
-            </a:xfrm>
-            <a:prstGeom prst="line">
-              <a:avLst/>
-            </a:prstGeom>
-            <a:ln w="38100">
-              <a:solidFill>
-                <a:srgbClr val="92D050"/>
-              </a:solidFill>
-            </a:ln>
-          </p:spPr>
-          <p:style>
-            <a:lnRef idx="1">
-              <a:schemeClr val="accent1"/>
-            </a:lnRef>
-            <a:fillRef idx="0">
-              <a:schemeClr val="accent1"/>
-            </a:fillRef>
-            <a:effectRef idx="0">
-              <a:schemeClr val="accent1"/>
-            </a:effectRef>
-            <a:fontRef idx="minor">
-              <a:schemeClr val="tx1"/>
-            </a:fontRef>
-          </p:style>
-        </p:cxnSp>
-        <p:cxnSp>
-          <p:nvCxnSpPr>
-            <p:cNvPr id="25" name="直線接點 24">
-              <a:extLst>
-                <a:ext uri="{FF2B5EF4-FFF2-40B4-BE49-F238E27FC236}">
-                  <a16:creationId xmlns:a16="http://schemas.microsoft.com/office/drawing/2014/main" id="{83136ABF-D9D8-4C27-BD03-7D3FDD1F8C6C}"/>
-                </a:ext>
-              </a:extLst>
-            </p:cNvPr>
-            <p:cNvCxnSpPr>
-              <a:cxnSpLocks/>
-            </p:cNvCxnSpPr>
-            <p:nvPr/>
-          </p:nvCxnSpPr>
-          <p:spPr>
-            <a:xfrm>
-              <a:off x="8170126" y="4824237"/>
-              <a:ext cx="0" cy="514418"/>
-            </a:xfrm>
-            <a:prstGeom prst="line">
-              <a:avLst/>
-            </a:prstGeom>
-            <a:ln w="38100">
-              <a:solidFill>
-                <a:srgbClr val="92D050"/>
-              </a:solidFill>
-            </a:ln>
-          </p:spPr>
-          <p:style>
-            <a:lnRef idx="1">
-              <a:schemeClr val="accent1"/>
-            </a:lnRef>
-            <a:fillRef idx="0">
-              <a:schemeClr val="accent1"/>
-            </a:fillRef>
-            <a:effectRef idx="0">
-              <a:schemeClr val="accent1"/>
-            </a:effectRef>
-            <a:fontRef idx="minor">
-              <a:schemeClr val="tx1"/>
-            </a:fontRef>
-          </p:style>
-        </p:cxnSp>
-        <p:cxnSp>
-          <p:nvCxnSpPr>
-            <p:cNvPr id="26" name="直線接點 25">
-              <a:extLst>
-                <a:ext uri="{FF2B5EF4-FFF2-40B4-BE49-F238E27FC236}">
-                  <a16:creationId xmlns:a16="http://schemas.microsoft.com/office/drawing/2014/main" id="{76E5BD60-2673-47EC-9485-24497E5B4A12}"/>
-                </a:ext>
-              </a:extLst>
-            </p:cNvPr>
-            <p:cNvCxnSpPr>
-              <a:cxnSpLocks/>
-            </p:cNvCxnSpPr>
-            <p:nvPr/>
-          </p:nvCxnSpPr>
-          <p:spPr>
-            <a:xfrm>
-              <a:off x="9484576" y="4824237"/>
-              <a:ext cx="0" cy="531820"/>
-            </a:xfrm>
-            <a:prstGeom prst="line">
-              <a:avLst/>
-            </a:prstGeom>
-            <a:ln w="38100">
-              <a:solidFill>
-                <a:srgbClr val="92D050"/>
-              </a:solidFill>
-            </a:ln>
-          </p:spPr>
-          <p:style>
-            <a:lnRef idx="1">
-              <a:schemeClr val="accent1"/>
-            </a:lnRef>
-            <a:fillRef idx="0">
-              <a:schemeClr val="accent1"/>
-            </a:fillRef>
-            <a:effectRef idx="0">
-              <a:schemeClr val="accent1"/>
-            </a:effectRef>
-            <a:fontRef idx="minor">
-              <a:schemeClr val="tx1"/>
-            </a:fontRef>
-          </p:style>
-        </p:cxnSp>
-        <p:cxnSp>
-          <p:nvCxnSpPr>
-            <p:cNvPr id="15" name="直線接點 14">
-              <a:extLst>
-                <a:ext uri="{FF2B5EF4-FFF2-40B4-BE49-F238E27FC236}">
-                  <a16:creationId xmlns:a16="http://schemas.microsoft.com/office/drawing/2014/main" id="{EE5CCDC5-1745-4904-9A14-3AD022366C3B}"/>
-                </a:ext>
-              </a:extLst>
-            </p:cNvPr>
-            <p:cNvCxnSpPr>
-              <a:cxnSpLocks/>
-            </p:cNvCxnSpPr>
-            <p:nvPr/>
-          </p:nvCxnSpPr>
-          <p:spPr>
-            <a:xfrm>
-              <a:off x="6855680" y="4824237"/>
-              <a:ext cx="0" cy="531820"/>
-            </a:xfrm>
-            <a:prstGeom prst="line">
-              <a:avLst/>
-            </a:prstGeom>
-            <a:ln w="38100">
-              <a:solidFill>
-                <a:srgbClr val="92D050"/>
-              </a:solidFill>
-            </a:ln>
-          </p:spPr>
-          <p:style>
-            <a:lnRef idx="1">
-              <a:schemeClr val="accent1"/>
-            </a:lnRef>
-            <a:fillRef idx="0">
-              <a:schemeClr val="accent1"/>
-            </a:fillRef>
-            <a:effectRef idx="0">
-              <a:schemeClr val="accent1"/>
-            </a:effectRef>
-            <a:fontRef idx="minor">
-              <a:schemeClr val="tx1"/>
-            </a:fontRef>
-          </p:style>
-        </p:cxnSp>
-        <p:sp>
-          <p:nvSpPr>
-            <p:cNvPr id="27" name="文字方塊 26">
-              <a:extLst>
-                <a:ext uri="{FF2B5EF4-FFF2-40B4-BE49-F238E27FC236}">
-                  <a16:creationId xmlns:a16="http://schemas.microsoft.com/office/drawing/2014/main" id="{9E397823-407F-4794-BC59-33F71185AF2E}"/>
-                </a:ext>
-              </a:extLst>
-            </p:cNvPr>
-            <p:cNvSpPr txBox="1"/>
-            <p:nvPr/>
-          </p:nvSpPr>
-          <p:spPr>
-            <a:xfrm>
-              <a:off x="7331494" y="4812764"/>
-              <a:ext cx="381836" cy="523220"/>
-            </a:xfrm>
-            <a:prstGeom prst="rect">
-              <a:avLst/>
-            </a:prstGeom>
-            <a:noFill/>
-          </p:spPr>
-          <p:txBody>
-            <a:bodyPr wrap="none" rtlCol="0">
-              <a:spAutoFit/>
-            </a:bodyPr>
-            <a:lstStyle/>
-            <a:p>
-              <a:pPr algn="ctr"/>
-              <a:r>
-                <a:rPr lang="en-US" altLang="zh-TW" sz="2800">
-                  <a:solidFill>
-                    <a:srgbClr val="00B0F0"/>
-                  </a:solidFill>
-                </a:rPr>
-                <a:t>4</a:t>
-              </a:r>
-              <a:endParaRPr lang="zh-TW" altLang="en-US" sz="2800">
-                <a:solidFill>
-                  <a:srgbClr val="00B0F0"/>
-                </a:solidFill>
-              </a:endParaRPr>
-            </a:p>
-          </p:txBody>
-        </p:sp>
-        <p:sp>
-          <p:nvSpPr>
-            <p:cNvPr id="28" name="文字方塊 27">
-              <a:extLst>
-                <a:ext uri="{FF2B5EF4-FFF2-40B4-BE49-F238E27FC236}">
-                  <a16:creationId xmlns:a16="http://schemas.microsoft.com/office/drawing/2014/main" id="{F8BD4888-5AF2-42CD-8A6C-15E6B20CE8B6}"/>
-                </a:ext>
-              </a:extLst>
-            </p:cNvPr>
-            <p:cNvSpPr txBox="1"/>
-            <p:nvPr/>
-          </p:nvSpPr>
-          <p:spPr>
-            <a:xfrm>
-              <a:off x="8645942" y="4812764"/>
-              <a:ext cx="381836" cy="523220"/>
-            </a:xfrm>
-            <a:prstGeom prst="rect">
-              <a:avLst/>
-            </a:prstGeom>
-            <a:noFill/>
-          </p:spPr>
-          <p:txBody>
-            <a:bodyPr wrap="none" rtlCol="0">
-              <a:spAutoFit/>
-            </a:bodyPr>
-            <a:lstStyle/>
-            <a:p>
-              <a:pPr algn="ctr"/>
-              <a:r>
-                <a:rPr lang="en-US" altLang="zh-TW" sz="2800">
-                  <a:solidFill>
-                    <a:srgbClr val="00B0F0"/>
-                  </a:solidFill>
-                </a:rPr>
-                <a:t>5</a:t>
-              </a:r>
-              <a:endParaRPr lang="zh-TW" altLang="en-US" sz="2800">
-                <a:solidFill>
-                  <a:srgbClr val="00B0F0"/>
-                </a:solidFill>
-              </a:endParaRPr>
-            </a:p>
-          </p:txBody>
-        </p:sp>
-        <p:sp>
-          <p:nvSpPr>
-            <p:cNvPr id="29" name="文字方塊 28">
-              <a:extLst>
-                <a:ext uri="{FF2B5EF4-FFF2-40B4-BE49-F238E27FC236}">
-                  <a16:creationId xmlns:a16="http://schemas.microsoft.com/office/drawing/2014/main" id="{09A17D0B-8814-4379-8221-B38EDF05029B}"/>
-                </a:ext>
-              </a:extLst>
-            </p:cNvPr>
-            <p:cNvSpPr txBox="1"/>
-            <p:nvPr/>
-          </p:nvSpPr>
-          <p:spPr>
-            <a:xfrm>
-              <a:off x="9960391" y="4812764"/>
-              <a:ext cx="381836" cy="523220"/>
-            </a:xfrm>
-            <a:prstGeom prst="rect">
-              <a:avLst/>
-            </a:prstGeom>
-            <a:noFill/>
-          </p:spPr>
-          <p:txBody>
-            <a:bodyPr wrap="none" rtlCol="0">
-              <a:spAutoFit/>
-            </a:bodyPr>
-            <a:lstStyle/>
-            <a:p>
-              <a:pPr algn="ctr"/>
-              <a:r>
-                <a:rPr lang="en-US" altLang="zh-TW" sz="2800">
-                  <a:solidFill>
-                    <a:srgbClr val="00B0F0"/>
-                  </a:solidFill>
-                </a:rPr>
-                <a:t>6</a:t>
-              </a:r>
-              <a:endParaRPr lang="zh-TW" altLang="en-US" sz="2800">
-                <a:solidFill>
-                  <a:srgbClr val="00B0F0"/>
-                </a:solidFill>
-              </a:endParaRPr>
-            </a:p>
-          </p:txBody>
-        </p:sp>
-        <p:sp>
-          <p:nvSpPr>
-            <p:cNvPr id="30" name="文字方塊 29">
-              <a:extLst>
-                <a:ext uri="{FF2B5EF4-FFF2-40B4-BE49-F238E27FC236}">
-                  <a16:creationId xmlns:a16="http://schemas.microsoft.com/office/drawing/2014/main" id="{4E947A1A-4897-4D85-8A7E-916DACCF880F}"/>
-                </a:ext>
-              </a:extLst>
-            </p:cNvPr>
-            <p:cNvSpPr txBox="1"/>
-            <p:nvPr/>
-          </p:nvSpPr>
-          <p:spPr>
-            <a:xfrm>
-              <a:off x="7334035" y="5358067"/>
-              <a:ext cx="354584" cy="461665"/>
-            </a:xfrm>
-            <a:prstGeom prst="rect">
-              <a:avLst/>
-            </a:prstGeom>
-            <a:noFill/>
-          </p:spPr>
-          <p:txBody>
-            <a:bodyPr wrap="none" rtlCol="0">
-              <a:spAutoFit/>
-            </a:bodyPr>
-            <a:lstStyle/>
-            <a:p>
-              <a:pPr algn="ctr"/>
-              <a:r>
-                <a:rPr lang="en-US" altLang="zh-TW" sz="2400">
-                  <a:solidFill>
-                    <a:srgbClr val="FFC000"/>
-                  </a:solidFill>
-                </a:rPr>
-                <a:t>3</a:t>
-              </a:r>
-              <a:endParaRPr lang="zh-TW" altLang="en-US" sz="2400">
-                <a:solidFill>
-                  <a:srgbClr val="FFC000"/>
-                </a:solidFill>
-              </a:endParaRPr>
-            </a:p>
-          </p:txBody>
-        </p:sp>
-        <p:sp>
-          <p:nvSpPr>
-            <p:cNvPr id="31" name="文字方塊 30">
-              <a:extLst>
-                <a:ext uri="{FF2B5EF4-FFF2-40B4-BE49-F238E27FC236}">
-                  <a16:creationId xmlns:a16="http://schemas.microsoft.com/office/drawing/2014/main" id="{503E7E1C-F38A-4957-883C-5F7D4CDCF9B3}"/>
-                </a:ext>
-              </a:extLst>
-            </p:cNvPr>
-            <p:cNvSpPr txBox="1"/>
-            <p:nvPr/>
-          </p:nvSpPr>
-          <p:spPr>
-            <a:xfrm>
-              <a:off x="8648484" y="5358067"/>
-              <a:ext cx="354584" cy="461665"/>
-            </a:xfrm>
-            <a:prstGeom prst="rect">
-              <a:avLst/>
-            </a:prstGeom>
-            <a:noFill/>
-          </p:spPr>
-          <p:txBody>
-            <a:bodyPr wrap="none" rtlCol="0">
-              <a:spAutoFit/>
-            </a:bodyPr>
-            <a:lstStyle/>
-            <a:p>
-              <a:pPr algn="ctr"/>
-              <a:r>
-                <a:rPr lang="en-US" altLang="zh-TW" sz="2400">
-                  <a:solidFill>
-                    <a:srgbClr val="FFC000"/>
-                  </a:solidFill>
-                </a:rPr>
-                <a:t>4</a:t>
-              </a:r>
-              <a:endParaRPr lang="zh-TW" altLang="en-US" sz="2400">
-                <a:solidFill>
-                  <a:srgbClr val="FFC000"/>
-                </a:solidFill>
-              </a:endParaRPr>
-            </a:p>
-          </p:txBody>
-        </p:sp>
-        <p:sp>
-          <p:nvSpPr>
-            <p:cNvPr id="32" name="文字方塊 31">
-              <a:extLst>
-                <a:ext uri="{FF2B5EF4-FFF2-40B4-BE49-F238E27FC236}">
-                  <a16:creationId xmlns:a16="http://schemas.microsoft.com/office/drawing/2014/main" id="{C24EADBD-601D-4A75-A2B0-EFBDAD128B16}"/>
-                </a:ext>
-              </a:extLst>
-            </p:cNvPr>
-            <p:cNvSpPr txBox="1"/>
-            <p:nvPr/>
-          </p:nvSpPr>
-          <p:spPr>
-            <a:xfrm>
-              <a:off x="9962933" y="5358067"/>
-              <a:ext cx="354584" cy="461665"/>
-            </a:xfrm>
-            <a:prstGeom prst="rect">
-              <a:avLst/>
-            </a:prstGeom>
-            <a:noFill/>
-          </p:spPr>
-          <p:txBody>
-            <a:bodyPr wrap="none" rtlCol="0">
-              <a:spAutoFit/>
-            </a:bodyPr>
-            <a:lstStyle/>
-            <a:p>
-              <a:pPr algn="ctr"/>
-              <a:r>
-                <a:rPr lang="en-US" altLang="zh-TW" sz="2400">
-                  <a:solidFill>
-                    <a:srgbClr val="FFC000"/>
-                  </a:solidFill>
-                </a:rPr>
-                <a:t>5</a:t>
-              </a:r>
-              <a:endParaRPr lang="zh-TW" altLang="en-US" sz="2400">
-                <a:solidFill>
-                  <a:srgbClr val="FFC000"/>
-                </a:solidFill>
-              </a:endParaRPr>
-            </a:p>
-          </p:txBody>
-        </p:sp>
-        <p:sp>
-          <p:nvSpPr>
-            <p:cNvPr id="33" name="文字方塊 32">
-              <a:extLst>
-                <a:ext uri="{FF2B5EF4-FFF2-40B4-BE49-F238E27FC236}">
-                  <a16:creationId xmlns:a16="http://schemas.microsoft.com/office/drawing/2014/main" id="{36404C06-6D32-4F24-A00C-77B95AD382A0}"/>
-                </a:ext>
-              </a:extLst>
-            </p:cNvPr>
-            <p:cNvSpPr txBox="1"/>
-            <p:nvPr/>
-          </p:nvSpPr>
-          <p:spPr>
-            <a:xfrm>
-              <a:off x="2967471" y="5813291"/>
-              <a:ext cx="1204176" cy="461665"/>
-            </a:xfrm>
-            <a:prstGeom prst="rect">
-              <a:avLst/>
-            </a:prstGeom>
-            <a:noFill/>
-          </p:spPr>
-          <p:txBody>
-            <a:bodyPr wrap="none" rtlCol="0">
-              <a:spAutoFit/>
-            </a:bodyPr>
-            <a:lstStyle/>
-            <a:p>
-              <a:pPr algn="ctr"/>
-              <a:r>
-                <a:rPr lang="en-US" altLang="zh-TW" sz="2400">
-                  <a:solidFill>
-                    <a:srgbClr val="FFFF00"/>
-                  </a:solidFill>
-                </a:rPr>
-                <a:t>0xF000</a:t>
-              </a:r>
-              <a:endParaRPr lang="zh-TW" altLang="en-US" sz="2400">
-                <a:solidFill>
-                  <a:srgbClr val="FFFF00"/>
-                </a:solidFill>
-              </a:endParaRPr>
-            </a:p>
-          </p:txBody>
-        </p:sp>
-        <p:sp>
-          <p:nvSpPr>
-            <p:cNvPr id="34" name="文字方塊 33">
-              <a:extLst>
-                <a:ext uri="{FF2B5EF4-FFF2-40B4-BE49-F238E27FC236}">
-                  <a16:creationId xmlns:a16="http://schemas.microsoft.com/office/drawing/2014/main" id="{5D231E34-0CE6-4004-AFAD-AC4002FA9339}"/>
-                </a:ext>
-              </a:extLst>
-            </p:cNvPr>
-            <p:cNvSpPr txBox="1"/>
-            <p:nvPr/>
-          </p:nvSpPr>
-          <p:spPr>
-            <a:xfrm>
-              <a:off x="4281920" y="5813291"/>
-              <a:ext cx="1204176" cy="461665"/>
-            </a:xfrm>
-            <a:prstGeom prst="rect">
-              <a:avLst/>
-            </a:prstGeom>
-            <a:noFill/>
-          </p:spPr>
-          <p:txBody>
-            <a:bodyPr wrap="none" rtlCol="0">
-              <a:spAutoFit/>
-            </a:bodyPr>
-            <a:lstStyle/>
-            <a:p>
-              <a:pPr algn="ctr"/>
-              <a:r>
-                <a:rPr lang="en-US" altLang="zh-TW" sz="2400">
-                  <a:solidFill>
-                    <a:srgbClr val="FFFF00"/>
-                  </a:solidFill>
-                </a:rPr>
-                <a:t>0xF008</a:t>
-              </a:r>
-              <a:endParaRPr lang="zh-TW" altLang="en-US" sz="2400">
-                <a:solidFill>
-                  <a:srgbClr val="FFFF00"/>
-                </a:solidFill>
-              </a:endParaRPr>
-            </a:p>
-          </p:txBody>
-        </p:sp>
-        <p:sp>
-          <p:nvSpPr>
-            <p:cNvPr id="35" name="文字方塊 34">
-              <a:extLst>
-                <a:ext uri="{FF2B5EF4-FFF2-40B4-BE49-F238E27FC236}">
-                  <a16:creationId xmlns:a16="http://schemas.microsoft.com/office/drawing/2014/main" id="{71E0A390-C9E1-454F-B03A-6496B73B037E}"/>
-                </a:ext>
-              </a:extLst>
-            </p:cNvPr>
-            <p:cNvSpPr txBox="1"/>
-            <p:nvPr/>
-          </p:nvSpPr>
-          <p:spPr>
-            <a:xfrm>
-              <a:off x="5596369" y="5813291"/>
-              <a:ext cx="1204176" cy="461665"/>
-            </a:xfrm>
-            <a:prstGeom prst="rect">
-              <a:avLst/>
-            </a:prstGeom>
-            <a:noFill/>
-          </p:spPr>
-          <p:txBody>
-            <a:bodyPr wrap="none" rtlCol="0">
-              <a:spAutoFit/>
-            </a:bodyPr>
-            <a:lstStyle/>
-            <a:p>
-              <a:pPr algn="ctr"/>
-              <a:r>
-                <a:rPr lang="en-US" altLang="zh-TW" sz="2400">
-                  <a:solidFill>
-                    <a:srgbClr val="FFFF00"/>
-                  </a:solidFill>
-                </a:rPr>
-                <a:t>0xF010</a:t>
-              </a:r>
-              <a:endParaRPr lang="zh-TW" altLang="en-US" sz="2400">
-                <a:solidFill>
-                  <a:srgbClr val="FFFF00"/>
-                </a:solidFill>
-              </a:endParaRPr>
-            </a:p>
-          </p:txBody>
-        </p:sp>
-        <p:sp>
-          <p:nvSpPr>
-            <p:cNvPr id="36" name="文字方塊 35">
-              <a:extLst>
-                <a:ext uri="{FF2B5EF4-FFF2-40B4-BE49-F238E27FC236}">
-                  <a16:creationId xmlns:a16="http://schemas.microsoft.com/office/drawing/2014/main" id="{E7FAC3DE-FA7C-47EE-8FEF-22EE2784FEFE}"/>
-                </a:ext>
-              </a:extLst>
-            </p:cNvPr>
-            <p:cNvSpPr txBox="1"/>
-            <p:nvPr/>
-          </p:nvSpPr>
-          <p:spPr>
-            <a:xfrm>
-              <a:off x="1188781" y="5808868"/>
-              <a:ext cx="1723549" cy="461665"/>
-            </a:xfrm>
-            <a:prstGeom prst="rect">
-              <a:avLst/>
-            </a:prstGeom>
-            <a:noFill/>
-          </p:spPr>
-          <p:txBody>
-            <a:bodyPr wrap="none" rtlCol="0">
-              <a:spAutoFit/>
-            </a:bodyPr>
-            <a:lstStyle/>
-            <a:p>
-              <a:pPr algn="ctr"/>
-              <a:r>
-                <a:rPr lang="zh-TW" altLang="en-US" sz="2400">
-                  <a:solidFill>
-                    <a:srgbClr val="FFFF00"/>
-                  </a:solidFill>
-                </a:rPr>
-                <a:t>記憶體位址</a:t>
-              </a:r>
-            </a:p>
-          </p:txBody>
-        </p:sp>
-        <p:sp>
-          <p:nvSpPr>
-            <p:cNvPr id="37" name="文字方塊 36">
-              <a:extLst>
-                <a:ext uri="{FF2B5EF4-FFF2-40B4-BE49-F238E27FC236}">
-                  <a16:creationId xmlns:a16="http://schemas.microsoft.com/office/drawing/2014/main" id="{D99CC8B2-0F5F-48D1-9BFB-943D820779B2}"/>
-                </a:ext>
-              </a:extLst>
-            </p:cNvPr>
-            <p:cNvSpPr txBox="1"/>
-            <p:nvPr/>
-          </p:nvSpPr>
-          <p:spPr>
-            <a:xfrm>
-              <a:off x="6909239" y="5813291"/>
-              <a:ext cx="1204176" cy="461665"/>
-            </a:xfrm>
-            <a:prstGeom prst="rect">
-              <a:avLst/>
-            </a:prstGeom>
-            <a:noFill/>
-          </p:spPr>
-          <p:txBody>
-            <a:bodyPr wrap="none" rtlCol="0">
-              <a:spAutoFit/>
-            </a:bodyPr>
-            <a:lstStyle/>
-            <a:p>
-              <a:pPr algn="ctr"/>
-              <a:r>
-                <a:rPr lang="en-US" altLang="zh-TW" sz="2400">
-                  <a:solidFill>
-                    <a:srgbClr val="FFFF00"/>
-                  </a:solidFill>
-                </a:rPr>
-                <a:t>0xF018</a:t>
-              </a:r>
-              <a:endParaRPr lang="zh-TW" altLang="en-US" sz="2400">
-                <a:solidFill>
-                  <a:srgbClr val="FFFF00"/>
-                </a:solidFill>
-              </a:endParaRPr>
-            </a:p>
-          </p:txBody>
-        </p:sp>
-        <p:sp>
-          <p:nvSpPr>
-            <p:cNvPr id="38" name="文字方塊 37">
-              <a:extLst>
-                <a:ext uri="{FF2B5EF4-FFF2-40B4-BE49-F238E27FC236}">
-                  <a16:creationId xmlns:a16="http://schemas.microsoft.com/office/drawing/2014/main" id="{0BD5FCFD-D9E6-4976-B0AE-80E58ED000C1}"/>
-                </a:ext>
-              </a:extLst>
-            </p:cNvPr>
-            <p:cNvSpPr txBox="1"/>
-            <p:nvPr/>
-          </p:nvSpPr>
-          <p:spPr>
-            <a:xfrm>
-              <a:off x="8223688" y="5813291"/>
-              <a:ext cx="1204176" cy="461665"/>
-            </a:xfrm>
-            <a:prstGeom prst="rect">
-              <a:avLst/>
-            </a:prstGeom>
-            <a:noFill/>
-          </p:spPr>
-          <p:txBody>
-            <a:bodyPr wrap="none" rtlCol="0">
-              <a:spAutoFit/>
-            </a:bodyPr>
-            <a:lstStyle/>
-            <a:p>
-              <a:pPr algn="ctr"/>
-              <a:r>
-                <a:rPr lang="en-US" altLang="zh-TW" sz="2400">
-                  <a:solidFill>
-                    <a:srgbClr val="FFFF00"/>
-                  </a:solidFill>
-                </a:rPr>
-                <a:t>0xF020</a:t>
-              </a:r>
-              <a:endParaRPr lang="zh-TW" altLang="en-US" sz="2400">
-                <a:solidFill>
-                  <a:srgbClr val="FFFF00"/>
-                </a:solidFill>
-              </a:endParaRPr>
-            </a:p>
-          </p:txBody>
-        </p:sp>
-        <p:sp>
-          <p:nvSpPr>
-            <p:cNvPr id="39" name="文字方塊 38">
-              <a:extLst>
-                <a:ext uri="{FF2B5EF4-FFF2-40B4-BE49-F238E27FC236}">
-                  <a16:creationId xmlns:a16="http://schemas.microsoft.com/office/drawing/2014/main" id="{43B02004-A4DB-46D0-B427-EFC0768FFEBA}"/>
-                </a:ext>
-              </a:extLst>
-            </p:cNvPr>
-            <p:cNvSpPr txBox="1"/>
-            <p:nvPr/>
-          </p:nvSpPr>
-          <p:spPr>
-            <a:xfrm>
-              <a:off x="9538137" y="5813291"/>
-              <a:ext cx="1204176" cy="461665"/>
-            </a:xfrm>
-            <a:prstGeom prst="rect">
-              <a:avLst/>
-            </a:prstGeom>
-            <a:noFill/>
-          </p:spPr>
-          <p:txBody>
-            <a:bodyPr wrap="none" rtlCol="0">
-              <a:spAutoFit/>
-            </a:bodyPr>
-            <a:lstStyle/>
-            <a:p>
-              <a:pPr algn="ctr"/>
-              <a:r>
-                <a:rPr lang="en-US" altLang="zh-TW" sz="2400">
-                  <a:solidFill>
-                    <a:srgbClr val="FFFF00"/>
-                  </a:solidFill>
-                </a:rPr>
-                <a:t>0xF028</a:t>
-              </a:r>
-              <a:endParaRPr lang="zh-TW" altLang="en-US" sz="2400">
-                <a:solidFill>
-                  <a:srgbClr val="FFFF00"/>
-                </a:solidFill>
-              </a:endParaRPr>
-            </a:p>
-          </p:txBody>
-        </p:sp>
-      </p:grpSp>
-    </p:spTree>
-    <p:extLst>
-      <p:ext uri="{BB962C8B-B14F-4D97-AF65-F5344CB8AC3E}">
-        <p14:creationId xmlns:p14="http://schemas.microsoft.com/office/powerpoint/2010/main" val="795233516"/>
       </p:ext>
     </p:extLst>
   </p:cSld>

--- a/ppt/11_空值與參考.pptx
+++ b/ppt/11_空值與參考.pptx
@@ -2,7 +2,7 @@
 <file path=ppt/presentation.xml><?xml version="1.0" encoding="utf-8"?>
 <p:presentation xmlns:a="http://schemas.openxmlformats.org/drawingml/2006/main" xmlns:r="http://schemas.openxmlformats.org/officeDocument/2006/relationships" xmlns:p="http://schemas.openxmlformats.org/presentationml/2006/main" saveSubsetFonts="1">
   <p:sldMasterIdLst>
-    <p:sldMasterId id="2147483673" r:id="rId1"/>
+    <p:sldMasterId id="2147483678" r:id="rId1"/>
   </p:sldMasterIdLst>
   <p:notesMasterIdLst>
     <p:notesMasterId r:id="rId10"/>
@@ -204,7 +204,7 @@
           <a:p>
             <a:fld id="{59559CBB-996B-4E7C-AC21-A3B4A6AAAEAF}" type="datetimeFigureOut">
               <a:rPr lang="zh-TW" altLang="en-US" smtClean="0"/>
-              <a:t>2024/11/30</a:t>
+              <a:t>2025/2/11</a:t>
             </a:fld>
             <a:endParaRPr lang="zh-TW" altLang="en-US"/>
           </a:p>
@@ -682,7 +682,7 @@
     </p:spTree>
     <p:extLst>
       <p:ext uri="{BB962C8B-B14F-4D97-AF65-F5344CB8AC3E}">
-        <p14:creationId xmlns:p14="http://schemas.microsoft.com/office/powerpoint/2010/main" val="741031040"/>
+        <p14:creationId xmlns:p14="http://schemas.microsoft.com/office/powerpoint/2010/main" val="1882824667"/>
       </p:ext>
     </p:extLst>
   </p:cSld>
@@ -1066,7 +1066,7 @@
     </p:spTree>
     <p:extLst>
       <p:ext uri="{BB962C8B-B14F-4D97-AF65-F5344CB8AC3E}">
-        <p14:creationId xmlns:p14="http://schemas.microsoft.com/office/powerpoint/2010/main" val="878390950"/>
+        <p14:creationId xmlns:p14="http://schemas.microsoft.com/office/powerpoint/2010/main" val="1145166300"/>
       </p:ext>
     </p:extLst>
   </p:cSld>
@@ -1393,7 +1393,7 @@
     </p:spTree>
     <p:extLst>
       <p:ext uri="{BB962C8B-B14F-4D97-AF65-F5344CB8AC3E}">
-        <p14:creationId xmlns:p14="http://schemas.microsoft.com/office/powerpoint/2010/main" val="221055137"/>
+        <p14:creationId xmlns:p14="http://schemas.microsoft.com/office/powerpoint/2010/main" val="24878569"/>
       </p:ext>
     </p:extLst>
   </p:cSld>
@@ -1692,7 +1692,7 @@
     </p:spTree>
     <p:extLst>
       <p:ext uri="{BB962C8B-B14F-4D97-AF65-F5344CB8AC3E}">
-        <p14:creationId xmlns:p14="http://schemas.microsoft.com/office/powerpoint/2010/main" val="1895276892"/>
+        <p14:creationId xmlns:p14="http://schemas.microsoft.com/office/powerpoint/2010/main" val="4183027513"/>
       </p:ext>
     </p:extLst>
   </p:cSld>
@@ -1925,16 +1925,16 @@
     </p:spTree>
     <p:extLst>
       <p:ext uri="{BB962C8B-B14F-4D97-AF65-F5344CB8AC3E}">
-        <p14:creationId xmlns:p14="http://schemas.microsoft.com/office/powerpoint/2010/main" val="2960052757"/>
+        <p14:creationId xmlns:p14="http://schemas.microsoft.com/office/powerpoint/2010/main" val="410021859"/>
       </p:ext>
     </p:extLst>
   </p:cSld>
   <p:clrMap bg1="dk1" tx1="lt1" bg2="dk2" tx2="lt2" accent1="accent1" accent2="accent2" accent3="accent3" accent4="accent4" accent5="accent5" accent6="accent6" hlink="hlink" folHlink="folHlink"/>
   <p:sldLayoutIdLst>
-    <p:sldLayoutId id="2147483674" r:id="rId1"/>
-    <p:sldLayoutId id="2147483675" r:id="rId2"/>
-    <p:sldLayoutId id="2147483676" r:id="rId3"/>
-    <p:sldLayoutId id="2147483677" r:id="rId4"/>
+    <p:sldLayoutId id="2147483679" r:id="rId1"/>
+    <p:sldLayoutId id="2147483680" r:id="rId2"/>
+    <p:sldLayoutId id="2147483681" r:id="rId3"/>
+    <p:sldLayoutId id="2147483682" r:id="rId4"/>
   </p:sldLayoutIdLst>
   <p:transition spd="slow">
     <p:push dir="u"/>
@@ -6395,12 +6395,7 @@
             <p:ph type="title"/>
           </p:nvPr>
         </p:nvSpPr>
-        <p:spPr>
-          <a:xfrm>
-            <a:off x="838200" y="365125"/>
-            <a:ext cx="10515600" cy="1325563"/>
-          </a:xfrm>
-        </p:spPr>
+        <p:spPr/>
         <p:txBody>
           <a:bodyPr/>
           <a:lstStyle/>
@@ -8676,12 +8671,7 @@
             <p:ph type="title"/>
           </p:nvPr>
         </p:nvSpPr>
-        <p:spPr>
-          <a:xfrm>
-            <a:off x="838200" y="365125"/>
-            <a:ext cx="10515600" cy="1325563"/>
-          </a:xfrm>
-        </p:spPr>
+        <p:spPr/>
         <p:txBody>
           <a:bodyPr/>
           <a:lstStyle/>
@@ -12019,7 +12009,7 @@
   <a:extraClrSchemeLst/>
   <a:extLst>
     <a:ext uri="{05A4C25C-085E-4340-85A3-A5531E510DB2}">
-      <thm15:themeFamily xmlns:thm15="http://schemas.microsoft.com/office/thememl/2012/main" name="TYIC" id="{1CBE48E2-41FD-4EDA-8801-606A138B7FC3}" vid="{F6EAACDE-0833-4468-B256-0551E0034979}"/>
+      <thm15:themeFamily xmlns:thm15="http://schemas.microsoft.com/office/thememl/2012/main" name="TYIC" id="{F8B8016E-470C-4FE5-A78C-33B2A9D17434}" vid="{BC6C4CDA-A093-4978-B969-B6482D48D481}"/>
     </a:ext>
   </a:extLst>
 </a:theme>

--- a/ppt/11_空值與參考.pptx
+++ b/ppt/11_空值與參考.pptx
@@ -2,7 +2,7 @@
 <file path=ppt/presentation.xml><?xml version="1.0" encoding="utf-8"?>
 <p:presentation xmlns:a="http://schemas.openxmlformats.org/drawingml/2006/main" xmlns:r="http://schemas.openxmlformats.org/officeDocument/2006/relationships" xmlns:p="http://schemas.openxmlformats.org/presentationml/2006/main" saveSubsetFonts="1">
   <p:sldMasterIdLst>
-    <p:sldMasterId id="2147483678" r:id="rId1"/>
+    <p:sldMasterId id="2147483683" r:id="rId1"/>
   </p:sldMasterIdLst>
   <p:notesMasterIdLst>
     <p:notesMasterId r:id="rId10"/>
@@ -204,7 +204,7 @@
           <a:p>
             <a:fld id="{59559CBB-996B-4E7C-AC21-A3B4A6AAAEAF}" type="datetimeFigureOut">
               <a:rPr lang="zh-TW" altLang="en-US" smtClean="0"/>
-              <a:t>2025/2/11</a:t>
+              <a:t>2025/2/28</a:t>
             </a:fld>
             <a:endParaRPr lang="zh-TW" altLang="en-US"/>
           </a:p>
@@ -682,14 +682,14 @@
     </p:spTree>
     <p:extLst>
       <p:ext uri="{BB962C8B-B14F-4D97-AF65-F5344CB8AC3E}">
-        <p14:creationId xmlns:p14="http://schemas.microsoft.com/office/powerpoint/2010/main" val="1882824667"/>
+        <p14:creationId xmlns:p14="http://schemas.microsoft.com/office/powerpoint/2010/main" val="4057737423"/>
       </p:ext>
     </p:extLst>
   </p:cSld>
   <p:clrMapOvr>
     <a:masterClrMapping/>
   </p:clrMapOvr>
-  <p:transition spd="slow">
+  <p:transition>
     <p:push dir="u"/>
   </p:transition>
 </p:sldLayout>
@@ -1066,14 +1066,14 @@
     </p:spTree>
     <p:extLst>
       <p:ext uri="{BB962C8B-B14F-4D97-AF65-F5344CB8AC3E}">
-        <p14:creationId xmlns:p14="http://schemas.microsoft.com/office/powerpoint/2010/main" val="1145166300"/>
+        <p14:creationId xmlns:p14="http://schemas.microsoft.com/office/powerpoint/2010/main" val="1148724891"/>
       </p:ext>
     </p:extLst>
   </p:cSld>
   <p:clrMapOvr>
     <a:masterClrMapping/>
   </p:clrMapOvr>
-  <p:transition spd="slow">
+  <p:transition>
     <p:push dir="u"/>
   </p:transition>
 </p:sldLayout>
@@ -1393,14 +1393,14 @@
     </p:spTree>
     <p:extLst>
       <p:ext uri="{BB962C8B-B14F-4D97-AF65-F5344CB8AC3E}">
-        <p14:creationId xmlns:p14="http://schemas.microsoft.com/office/powerpoint/2010/main" val="24878569"/>
+        <p14:creationId xmlns:p14="http://schemas.microsoft.com/office/powerpoint/2010/main" val="2890223544"/>
       </p:ext>
     </p:extLst>
   </p:cSld>
   <p:clrMapOvr>
     <a:masterClrMapping/>
   </p:clrMapOvr>
-  <p:transition spd="slow">
+  <p:transition>
     <p:push dir="u"/>
   </p:transition>
 </p:sldLayout>
@@ -1692,14 +1692,14 @@
     </p:spTree>
     <p:extLst>
       <p:ext uri="{BB962C8B-B14F-4D97-AF65-F5344CB8AC3E}">
-        <p14:creationId xmlns:p14="http://schemas.microsoft.com/office/powerpoint/2010/main" val="4183027513"/>
+        <p14:creationId xmlns:p14="http://schemas.microsoft.com/office/powerpoint/2010/main" val="3918608715"/>
       </p:ext>
     </p:extLst>
   </p:cSld>
   <p:clrMapOvr>
     <a:masterClrMapping/>
   </p:clrMapOvr>
-  <p:transition spd="slow">
+  <p:transition>
     <p:push dir="u"/>
   </p:transition>
 </p:sldLayout>
@@ -1925,18 +1925,18 @@
     </p:spTree>
     <p:extLst>
       <p:ext uri="{BB962C8B-B14F-4D97-AF65-F5344CB8AC3E}">
-        <p14:creationId xmlns:p14="http://schemas.microsoft.com/office/powerpoint/2010/main" val="410021859"/>
+        <p14:creationId xmlns:p14="http://schemas.microsoft.com/office/powerpoint/2010/main" val="3232248901"/>
       </p:ext>
     </p:extLst>
   </p:cSld>
   <p:clrMap bg1="dk1" tx1="lt1" bg2="dk2" tx2="lt2" accent1="accent1" accent2="accent2" accent3="accent3" accent4="accent4" accent5="accent5" accent6="accent6" hlink="hlink" folHlink="folHlink"/>
   <p:sldLayoutIdLst>
-    <p:sldLayoutId id="2147483679" r:id="rId1"/>
-    <p:sldLayoutId id="2147483680" r:id="rId2"/>
-    <p:sldLayoutId id="2147483681" r:id="rId3"/>
-    <p:sldLayoutId id="2147483682" r:id="rId4"/>
+    <p:sldLayoutId id="2147483684" r:id="rId1"/>
+    <p:sldLayoutId id="2147483685" r:id="rId2"/>
+    <p:sldLayoutId id="2147483686" r:id="rId3"/>
+    <p:sldLayoutId id="2147483687" r:id="rId4"/>
   </p:sldLayoutIdLst>
-  <p:transition spd="slow">
+  <p:transition>
     <p:push dir="u"/>
   </p:transition>
   <p:txStyles>
@@ -2309,7 +2309,7 @@
   <p:clrMapOvr>
     <a:masterClrMapping/>
   </p:clrMapOvr>
-  <p:transition spd="slow">
+  <p:transition>
     <p:push dir="u"/>
   </p:transition>
 </p:sld>
@@ -3277,7 +3277,7 @@
   <p:clrMapOvr>
     <a:masterClrMapping/>
   </p:clrMapOvr>
-  <p:transition spd="slow">
+  <p:transition>
     <p:push dir="u"/>
   </p:transition>
 </p:sld>
@@ -3868,7 +3868,7 @@
   <p:clrMapOvr>
     <a:masterClrMapping/>
   </p:clrMapOvr>
-  <p:transition spd="slow">
+  <p:transition>
     <p:push dir="u"/>
   </p:transition>
 </p:sld>
@@ -6356,7 +6356,7 @@
   <p:clrMapOvr>
     <a:masterClrMapping/>
   </p:clrMapOvr>
-  <p:transition spd="slow">
+  <p:transition>
     <p:push dir="u"/>
   </p:transition>
 </p:sld>
@@ -6769,7 +6769,7 @@
   <p:clrMapOvr>
     <a:masterClrMapping/>
   </p:clrMapOvr>
-  <p:transition spd="slow">
+  <p:transition>
     <p:push dir="u"/>
   </p:transition>
 </p:sld>
@@ -8632,7 +8632,7 @@
   <p:clrMapOvr>
     <a:masterClrMapping/>
   </p:clrMapOvr>
-  <p:transition spd="slow">
+  <p:transition>
     <p:push dir="u"/>
   </p:transition>
 </p:sld>
@@ -11383,7 +11383,7 @@
   <p:clrMapOvr>
     <a:masterClrMapping/>
   </p:clrMapOvr>
-  <p:transition spd="slow">
+  <p:transition>
     <p:push dir="u"/>
   </p:transition>
 </p:sld>
@@ -11782,7 +11782,7 @@
   <p:clrMapOvr>
     <a:masterClrMapping/>
   </p:clrMapOvr>
-  <p:transition spd="slow">
+  <p:transition>
     <p:push dir="u"/>
   </p:transition>
 </p:sld>
@@ -12009,7 +12009,7 @@
   <a:extraClrSchemeLst/>
   <a:extLst>
     <a:ext uri="{05A4C25C-085E-4340-85A3-A5531E510DB2}">
-      <thm15:themeFamily xmlns:thm15="http://schemas.microsoft.com/office/thememl/2012/main" name="TYIC" id="{F8B8016E-470C-4FE5-A78C-33B2A9D17434}" vid="{BC6C4CDA-A093-4978-B969-B6482D48D481}"/>
+      <thm15:themeFamily xmlns:thm15="http://schemas.microsoft.com/office/thememl/2012/main" name="TYIC" id="{5F22F33A-EA50-4F22-9F2C-8A64A179567F}" vid="{3247D5A2-1B78-4AF4-9AA5-9AF4332DE771}"/>
     </a:ext>
   </a:extLst>
 </a:theme>
